--- a/templates/ppt_template/split_presentations_233.pptx
+++ b/templates/ppt_template/split_presentations_233.pptx
@@ -800,7 +800,7 @@
           <a:graphicData uri="http://schemas.openxmlformats.org/presentationml/2006/ole">
             <mc:AlternateContent xmlns:mc="http://schemas.openxmlformats.org/markup-compatibility/2006">
               <mc:Choice xmlns:v="urn:schemas-microsoft-com:vml" Requires="v">
-                <p:oleObj spid="_x0000_s261127" name="think-cell 幻灯片" r:id="rId4" imgW="349" imgH="350" progId="TCLayout.ActiveDocument.1">
+                <p:oleObj spid="_x0000_s261136" name="think-cell 幻灯片" r:id="rId4" imgW="349" imgH="350" progId="TCLayout.ActiveDocument.1">
                   <p:embed/>
                 </p:oleObj>
               </mc:Choice>
@@ -950,7 +950,7 @@
           <a:graphicData uri="http://schemas.openxmlformats.org/presentationml/2006/ole">
             <mc:AlternateContent xmlns:mc="http://schemas.openxmlformats.org/markup-compatibility/2006">
               <mc:Choice xmlns:v="urn:schemas-microsoft-com:vml" Requires="v">
-                <p:oleObj spid="_x0000_s259079" name="think-cell 幻灯片" r:id="rId10" imgW="270" imgH="270" progId="TCLayout.ActiveDocument.1">
+                <p:oleObj spid="_x0000_s259088" name="think-cell 幻灯片" r:id="rId10" imgW="270" imgH="270" progId="TCLayout.ActiveDocument.1">
                   <p:embed/>
                 </p:oleObj>
               </mc:Choice>
@@ -3300,7 +3300,7 @@
           <a:graphicData uri="http://schemas.openxmlformats.org/presentationml/2006/ole">
             <mc:AlternateContent xmlns:mc="http://schemas.openxmlformats.org/markup-compatibility/2006">
               <mc:Choice xmlns:v="urn:schemas-microsoft-com:vml" Requires="v">
-                <p:oleObj spid="_x0000_s240647" name="think-cell 幻灯片" r:id="rId5" imgW="349" imgH="350" progId="TCLayout.ActiveDocument.1">
+                <p:oleObj spid="_x0000_s240656" name="think-cell 幻灯片" r:id="rId5" imgW="349" imgH="350" progId="TCLayout.ActiveDocument.1">
                   <p:embed/>
                 </p:oleObj>
               </mc:Choice>
@@ -3368,8 +3368,8 @@
           <a:lstStyle/>
           <a:p>
             <a:r>
-              <a:rPr lang="en-US"/>
-              <a:t>Timeline with slide transitions III</a:t>
+              <a:rPr lang="en-US" dirty="0"/>
+              <a:t>{title}</a:t>
             </a:r>
           </a:p>
         </p:txBody>
@@ -3469,12 +3469,12 @@
               <a:defRPr/>
             </a:pPr>
             <a:r>
-              <a:rPr lang="en-US" sz="2000">
+              <a:rPr lang="en-US" sz="2000" dirty="0">
                 <a:solidFill>
                   <a:schemeClr val="tx2"/>
                 </a:solidFill>
               </a:rPr>
-              <a:t>Sample text</a:t>
+              <a:t>{year_3_bullet}</a:t>
             </a:r>
           </a:p>
           <a:p>
@@ -3496,51 +3496,12 @@
               <a:defRPr/>
             </a:pPr>
             <a:r>
-              <a:rPr lang="en-US" sz="1400">
+              <a:rPr lang="en-US" sz="1400" dirty="0">
                 <a:solidFill>
                   <a:prstClr val="black"/>
                 </a:solidFill>
               </a:rPr>
-              <a:t>Lorem ipsum dolor sit </a:t>
-            </a:r>
-            <a:br>
-              <a:rPr lang="en-US" sz="1400">
-                <a:solidFill>
-                  <a:prstClr val="black"/>
-                </a:solidFill>
-              </a:rPr>
-            </a:br>
-            <a:r>
-              <a:rPr lang="en-US" sz="1400" err="1">
-                <a:solidFill>
-                  <a:prstClr val="black"/>
-                </a:solidFill>
-              </a:rPr>
-              <a:t>sadipscing</a:t>
-            </a:r>
-            <a:r>
-              <a:rPr lang="en-US" sz="1400">
-                <a:solidFill>
-                  <a:prstClr val="black"/>
-                </a:solidFill>
-              </a:rPr>
-              <a:t> </a:t>
-            </a:r>
-            <a:r>
-              <a:rPr lang="en-US" sz="1400" err="1">
-                <a:solidFill>
-                  <a:prstClr val="black"/>
-                </a:solidFill>
-              </a:rPr>
-              <a:t>elitr</a:t>
-            </a:r>
-            <a:r>
-              <a:rPr lang="en-US" sz="1400">
-                <a:solidFill>
-                  <a:prstClr val="black"/>
-                </a:solidFill>
-              </a:rPr>
-              <a:t> sed</a:t>
+              <a:t>{year_3_description,max_token=20}</a:t>
             </a:r>
           </a:p>
         </p:txBody>
@@ -3600,12 +3561,12 @@
               <a:defRPr/>
             </a:pPr>
             <a:r>
-              <a:rPr lang="en-US" sz="1400" b="1">
+              <a:rPr lang="en-US" sz="1400" b="1" dirty="0">
                 <a:solidFill>
                   <a:schemeClr val="accent1"/>
                 </a:solidFill>
               </a:rPr>
-              <a:t>2024</a:t>
+              <a:t>{year_3}</a:t>
             </a:r>
           </a:p>
         </p:txBody>
@@ -3732,12 +3693,12 @@
               <a:defRPr/>
             </a:pPr>
             <a:r>
-              <a:rPr lang="en-US" sz="2000">
+              <a:rPr lang="en-US" sz="2000" dirty="0">
                 <a:solidFill>
                   <a:schemeClr val="tx2"/>
                 </a:solidFill>
               </a:rPr>
-              <a:t>Sample text</a:t>
+              <a:t>{year_1_bullet}</a:t>
             </a:r>
           </a:p>
           <a:p>
@@ -3759,59 +3720,12 @@
               <a:defRPr/>
             </a:pPr>
             <a:r>
-              <a:rPr lang="en-US" sz="1400">
+              <a:rPr lang="en-US" sz="1400" dirty="0">
                 <a:solidFill>
                   <a:prstClr val="black"/>
                 </a:solidFill>
               </a:rPr>
-              <a:t>Lorem ipsum dolor </a:t>
-            </a:r>
-            <a:br>
-              <a:rPr lang="en-US" sz="1400">
-                <a:solidFill>
-                  <a:prstClr val="black"/>
-                </a:solidFill>
-              </a:rPr>
-            </a:br>
-            <a:r>
-              <a:rPr lang="en-US" sz="1400">
-                <a:solidFill>
-                  <a:prstClr val="black"/>
-                </a:solidFill>
-              </a:rPr>
-              <a:t>sit </a:t>
-            </a:r>
-            <a:r>
-              <a:rPr lang="en-US" sz="1400" err="1">
-                <a:solidFill>
-                  <a:prstClr val="black"/>
-                </a:solidFill>
-              </a:rPr>
-              <a:t>sadipscing</a:t>
-            </a:r>
-            <a:r>
-              <a:rPr lang="en-US" sz="1400">
-                <a:solidFill>
-                  <a:prstClr val="black"/>
-                </a:solidFill>
-              </a:rPr>
-              <a:t> </a:t>
-            </a:r>
-            <a:r>
-              <a:rPr lang="en-US" sz="1400" err="1">
-                <a:solidFill>
-                  <a:prstClr val="black"/>
-                </a:solidFill>
-              </a:rPr>
-              <a:t>elitr</a:t>
-            </a:r>
-            <a:r>
-              <a:rPr lang="en-US" sz="1400">
-                <a:solidFill>
-                  <a:prstClr val="black"/>
-                </a:solidFill>
-              </a:rPr>
-              <a:t> sed</a:t>
+              <a:t>{year_1_description,max_token=20}</a:t>
             </a:r>
           </a:p>
         </p:txBody>
@@ -3871,12 +3785,28 @@
               <a:defRPr/>
             </a:pPr>
             <a:r>
-              <a:rPr lang="en-US" sz="1400" b="1">
+              <a:rPr lang="en-US" sz="1400" b="1" dirty="0">
                 <a:solidFill>
                   <a:schemeClr val="accent1"/>
                 </a:solidFill>
               </a:rPr>
-              <a:t>2012</a:t>
+              <a:t>{</a:t>
+            </a:r>
+            <a:r>
+              <a:rPr lang="en-US" altLang="zh-CN" sz="1400" b="1" dirty="0">
+                <a:solidFill>
+                  <a:schemeClr val="accent1"/>
+                </a:solidFill>
+              </a:rPr>
+              <a:t>year_1</a:t>
+            </a:r>
+            <a:r>
+              <a:rPr lang="en-US" sz="1400" b="1" dirty="0">
+                <a:solidFill>
+                  <a:schemeClr val="accent1"/>
+                </a:solidFill>
+              </a:rPr>
+              <a:t>}</a:t>
             </a:r>
           </a:p>
         </p:txBody>
@@ -3951,222 +3881,160 @@
           </a:p>
         </p:txBody>
       </p:sp>
-      <p:grpSp>
-        <p:nvGrpSpPr>
-          <p:cNvPr id="13" name="Gruppieren 27">
+      <p:sp>
+        <p:nvSpPr>
+          <p:cNvPr id="14" name="Rectangle 3">
             <a:extLst>
               <a:ext uri="{FF2B5EF4-FFF2-40B4-BE49-F238E27FC236}">
-                <a16:creationId xmlns:a16="http://schemas.microsoft.com/office/drawing/2014/main" id="{9F95272F-A460-51C1-97CA-7627F218CFCB}"/>
+                <a16:creationId xmlns:a16="http://schemas.microsoft.com/office/drawing/2014/main" id="{60F7A35B-33E5-89CE-D81B-4C0308C4A7CA}"/>
               </a:ext>
             </a:extLst>
           </p:cNvPr>
-          <p:cNvGrpSpPr>
-            <a:grpSpLocks/>
-          </p:cNvGrpSpPr>
+          <p:cNvSpPr>
+            <a:spLocks/>
+          </p:cNvSpPr>
           <p:nvPr/>
-        </p:nvGrpSpPr>
-        <p:grpSpPr bwMode="gray">
-          <a:xfrm>
+        </p:nvSpPr>
+        <p:spPr bwMode="gray">
+          <a:xfrm flipH="1">
+            <a:off x="6885562" y="3624386"/>
+            <a:ext cx="2017287" cy="738664"/>
+          </a:xfrm>
+          <a:prstGeom prst="rect">
+            <a:avLst/>
+          </a:prstGeom>
+          <a:noFill/>
+          <a:ln w="9525" algn="ctr">
+            <a:noFill/>
+            <a:miter lim="800000"/>
+            <a:headEnd/>
+            <a:tailEnd/>
+          </a:ln>
+          <a:effectLst/>
+        </p:spPr>
+        <p:txBody>
+          <a:bodyPr wrap="square" lIns="0" tIns="0" rIns="0" bIns="0" anchor="t">
+            <a:spAutoFit/>
+          </a:bodyPr>
+          <a:lstStyle/>
+          <a:p>
+            <a:pPr marR="0" lvl="0" fontAlgn="auto">
+              <a:lnSpc>
+                <a:spcPct val="100000"/>
+              </a:lnSpc>
+              <a:spcAft>
+                <a:spcPts val="0"/>
+              </a:spcAft>
+              <a:buClr>
+                <a:srgbClr val="000000"/>
+              </a:buClr>
+              <a:buSzTx/>
+              <a:tabLst/>
+              <a:defRPr/>
+            </a:pPr>
+            <a:r>
+              <a:rPr lang="en-US" sz="2000" dirty="0">
+                <a:solidFill>
+                  <a:schemeClr val="tx2"/>
+                </a:solidFill>
+              </a:rPr>
+              <a:t>{year_2_bullet}</a:t>
+            </a:r>
+          </a:p>
+          <a:p>
+            <a:pPr marR="0" lvl="0" indent="0" fontAlgn="auto">
+              <a:lnSpc>
+                <a:spcPct val="100000"/>
+              </a:lnSpc>
+              <a:spcBef>
+                <a:spcPts val="0"/>
+              </a:spcBef>
+              <a:spcAft>
+                <a:spcPts val="0"/>
+              </a:spcAft>
+              <a:buClrTx/>
+              <a:buSzTx/>
+              <a:buFontTx/>
+              <a:buNone/>
+              <a:tabLst/>
+              <a:defRPr/>
+            </a:pPr>
+            <a:r>
+              <a:rPr lang="en-US" sz="1400" dirty="0">
+                <a:solidFill>
+                  <a:prstClr val="black"/>
+                </a:solidFill>
+              </a:rPr>
+              <a:t>{year_2_description,max_token=20}</a:t>
+            </a:r>
+          </a:p>
+        </p:txBody>
+      </p:sp>
+      <p:sp>
+        <p:nvSpPr>
+          <p:cNvPr id="15" name="Rectangle 3">
+            <a:extLst>
+              <a:ext uri="{FF2B5EF4-FFF2-40B4-BE49-F238E27FC236}">
+                <a16:creationId xmlns:a16="http://schemas.microsoft.com/office/drawing/2014/main" id="{221A0238-96F5-C88E-5848-A13DA3ECFC96}"/>
+              </a:ext>
+            </a:extLst>
+          </p:cNvPr>
+          <p:cNvSpPr>
+            <a:spLocks/>
+          </p:cNvSpPr>
+          <p:nvPr/>
+        </p:nvSpPr>
+        <p:spPr bwMode="gray">
+          <a:xfrm flipH="1">
             <a:off x="6885562" y="3325811"/>
-            <a:ext cx="2017287" cy="1037239"/>
-            <a:chOff x="6916169" y="3410930"/>
-            <a:chExt cx="2018338" cy="1037779"/>
+            <a:ext cx="2017287" cy="215444"/>
           </a:xfrm>
-        </p:grpSpPr>
-        <p:sp>
-          <p:nvSpPr>
-            <p:cNvPr id="14" name="Rectangle 3">
-              <a:extLst>
-                <a:ext uri="{FF2B5EF4-FFF2-40B4-BE49-F238E27FC236}">
-                  <a16:creationId xmlns:a16="http://schemas.microsoft.com/office/drawing/2014/main" id="{60F7A35B-33E5-89CE-D81B-4C0308C4A7CA}"/>
-                </a:ext>
-              </a:extLst>
-            </p:cNvPr>
-            <p:cNvSpPr>
-              <a:spLocks/>
-            </p:cNvSpPr>
-            <p:nvPr/>
-          </p:nvSpPr>
-          <p:spPr bwMode="gray">
-            <a:xfrm flipH="1">
-              <a:off x="6916169" y="3709660"/>
-              <a:ext cx="2018338" cy="739049"/>
-            </a:xfrm>
-            <a:prstGeom prst="rect">
-              <a:avLst/>
-            </a:prstGeom>
+          <a:prstGeom prst="rect">
+            <a:avLst/>
+          </a:prstGeom>
+          <a:noFill/>
+          <a:ln w="9525" algn="ctr">
             <a:noFill/>
-            <a:ln w="9525" algn="ctr">
-              <a:noFill/>
-              <a:miter lim="800000"/>
-              <a:headEnd/>
-              <a:tailEnd/>
-            </a:ln>
-            <a:effectLst/>
-          </p:spPr>
-          <p:txBody>
-            <a:bodyPr wrap="square" lIns="0" tIns="0" rIns="0" bIns="0" anchor="t">
-              <a:spAutoFit/>
-            </a:bodyPr>
-            <a:lstStyle/>
-            <a:p>
-              <a:pPr marR="0" lvl="0" fontAlgn="auto">
-                <a:lnSpc>
-                  <a:spcPct val="100000"/>
-                </a:lnSpc>
-                <a:spcAft>
-                  <a:spcPts val="0"/>
-                </a:spcAft>
-                <a:buClr>
-                  <a:srgbClr val="000000"/>
-                </a:buClr>
-                <a:buSzTx/>
-                <a:tabLst/>
-                <a:defRPr/>
-              </a:pPr>
-              <a:r>
-                <a:rPr lang="en-US" sz="2000">
-                  <a:solidFill>
-                    <a:schemeClr val="tx2"/>
-                  </a:solidFill>
-                </a:rPr>
-                <a:t>Sample text</a:t>
-              </a:r>
-            </a:p>
-            <a:p>
-              <a:pPr marR="0" lvl="0" indent="0" fontAlgn="auto">
-                <a:lnSpc>
-                  <a:spcPct val="100000"/>
-                </a:lnSpc>
-                <a:spcBef>
-                  <a:spcPts val="0"/>
-                </a:spcBef>
-                <a:spcAft>
-                  <a:spcPts val="0"/>
-                </a:spcAft>
-                <a:buClrTx/>
-                <a:buSzTx/>
-                <a:buFontTx/>
-                <a:buNone/>
-                <a:tabLst/>
-                <a:defRPr/>
-              </a:pPr>
-              <a:r>
-                <a:rPr lang="en-US" sz="1400">
-                  <a:solidFill>
-                    <a:prstClr val="black"/>
-                  </a:solidFill>
-                </a:rPr>
-                <a:t>Lorem ipsum dolor sit </a:t>
-              </a:r>
-              <a:br>
-                <a:rPr lang="en-US" sz="1400">
-                  <a:solidFill>
-                    <a:prstClr val="black"/>
-                  </a:solidFill>
-                </a:rPr>
-              </a:br>
-              <a:r>
-                <a:rPr lang="en-US" sz="1400" err="1">
-                  <a:solidFill>
-                    <a:prstClr val="black"/>
-                  </a:solidFill>
-                </a:rPr>
-                <a:t>sadipscing</a:t>
-              </a:r>
-              <a:r>
-                <a:rPr lang="en-US" sz="1400">
-                  <a:solidFill>
-                    <a:prstClr val="black"/>
-                  </a:solidFill>
-                </a:rPr>
-                <a:t> </a:t>
-              </a:r>
-              <a:r>
-                <a:rPr lang="en-US" sz="1400" err="1">
-                  <a:solidFill>
-                    <a:prstClr val="black"/>
-                  </a:solidFill>
-                </a:rPr>
-                <a:t>elitr</a:t>
-              </a:r>
-              <a:r>
-                <a:rPr lang="en-US" sz="1400">
-                  <a:solidFill>
-                    <a:prstClr val="black"/>
-                  </a:solidFill>
-                </a:rPr>
-                <a:t> sed</a:t>
-              </a:r>
-            </a:p>
-          </p:txBody>
-        </p:sp>
-        <p:sp>
-          <p:nvSpPr>
-            <p:cNvPr id="15" name="Rectangle 3">
-              <a:extLst>
-                <a:ext uri="{FF2B5EF4-FFF2-40B4-BE49-F238E27FC236}">
-                  <a16:creationId xmlns:a16="http://schemas.microsoft.com/office/drawing/2014/main" id="{221A0238-96F5-C88E-5848-A13DA3ECFC96}"/>
-                </a:ext>
-              </a:extLst>
-            </p:cNvPr>
-            <p:cNvSpPr>
-              <a:spLocks/>
-            </p:cNvSpPr>
-            <p:nvPr/>
-          </p:nvSpPr>
-          <p:spPr bwMode="gray">
-            <a:xfrm flipH="1">
-              <a:off x="6916169" y="3410930"/>
-              <a:ext cx="2018338" cy="215556"/>
-            </a:xfrm>
-            <a:prstGeom prst="rect">
-              <a:avLst/>
-            </a:prstGeom>
-            <a:noFill/>
-            <a:ln w="9525" algn="ctr">
-              <a:noFill/>
-              <a:miter lim="800000"/>
-              <a:headEnd/>
-              <a:tailEnd/>
-            </a:ln>
-            <a:effectLst/>
-          </p:spPr>
-          <p:txBody>
-            <a:bodyPr wrap="square" lIns="0" tIns="0" rIns="0" bIns="0" anchor="t">
-              <a:spAutoFit/>
-            </a:bodyPr>
-            <a:lstStyle/>
-            <a:p>
-              <a:pPr marR="0" lvl="0" indent="0" fontAlgn="auto">
-                <a:lnSpc>
-                  <a:spcPct val="100000"/>
-                </a:lnSpc>
-                <a:spcBef>
-                  <a:spcPts val="0"/>
-                </a:spcBef>
-                <a:spcAft>
-                  <a:spcPts val="0"/>
-                </a:spcAft>
-                <a:buClrTx/>
-                <a:buSzTx/>
-                <a:buFontTx/>
-                <a:buNone/>
-                <a:tabLst/>
-                <a:defRPr/>
-              </a:pPr>
-              <a:r>
-                <a:rPr lang="en-US" sz="1400" b="1">
-                  <a:solidFill>
-                    <a:schemeClr val="accent1"/>
-                  </a:solidFill>
-                </a:rPr>
-                <a:t>2015</a:t>
-              </a:r>
-            </a:p>
-          </p:txBody>
-        </p:sp>
-      </p:grpSp>
+            <a:miter lim="800000"/>
+            <a:headEnd/>
+            <a:tailEnd/>
+          </a:ln>
+          <a:effectLst/>
+        </p:spPr>
+        <p:txBody>
+          <a:bodyPr wrap="square" lIns="0" tIns="0" rIns="0" bIns="0" anchor="t">
+            <a:spAutoFit/>
+          </a:bodyPr>
+          <a:lstStyle/>
+          <a:p>
+            <a:pPr marR="0" lvl="0" indent="0" fontAlgn="auto">
+              <a:lnSpc>
+                <a:spcPct val="100000"/>
+              </a:lnSpc>
+              <a:spcBef>
+                <a:spcPts val="0"/>
+              </a:spcBef>
+              <a:spcAft>
+                <a:spcPts val="0"/>
+              </a:spcAft>
+              <a:buClrTx/>
+              <a:buSzTx/>
+              <a:buFontTx/>
+              <a:buNone/>
+              <a:tabLst/>
+              <a:defRPr/>
+            </a:pPr>
+            <a:r>
+              <a:rPr lang="en-US" sz="1400" b="1" dirty="0">
+                <a:solidFill>
+                  <a:schemeClr val="accent1"/>
+                </a:solidFill>
+              </a:rPr>
+              <a:t>{year_2}</a:t>
+            </a:r>
+          </a:p>
+        </p:txBody>
+      </p:sp>
       <p:sp>
         <p:nvSpPr>
           <p:cNvPr id="16" name="Ellipse 32">

--- a/templates/ppt_template/split_presentations_233.pptx
+++ b/templates/ppt_template/split_presentations_233.pptx
@@ -1,22 +1,22 @@
 
 <file path=ppt/presentation.xml><?xml version="1.0" encoding="utf-8"?>
-<p:presentation xmlns:p15="http://schemas.microsoft.com/office/powerpoint/2012/main" xmlns:a="http://schemas.openxmlformats.org/drawingml/2006/main" xmlns:r="http://schemas.openxmlformats.org/officeDocument/2006/relationships" xmlns:p="http://schemas.openxmlformats.org/presentationml/2006/main" showSpecialPlsOnTitleSld="0" removePersonalInfoOnSave="1" saveSubsetFonts="1" autoCompressPictures="0">
+<p:presentation xmlns:a="http://schemas.openxmlformats.org/drawingml/2006/main" xmlns:r="http://schemas.openxmlformats.org/officeDocument/2006/relationships" xmlns:p="http://schemas.openxmlformats.org/presentationml/2006/main" showSpecialPlsOnTitleSld="0" removePersonalInfoOnSave="1" saveSubsetFonts="1" autoCompressPictures="0">
   <p:sldMasterIdLst>
     <p:sldMasterId id="2147483692" r:id="rId3"/>
   </p:sldMasterIdLst>
   <p:notesMasterIdLst>
-    <p:notesMasterId r:id="rId254"/>
+    <p:notesMasterId r:id="rId5"/>
   </p:notesMasterIdLst>
   <p:handoutMasterIdLst>
-    <p:handoutMasterId r:id="rId255"/>
+    <p:handoutMasterId r:id="rId6"/>
   </p:handoutMasterIdLst>
   <p:sldIdLst>
-    <p:sldId id="358" r:id="rId236"/>
+    <p:sldId id="358" r:id="rId4"/>
   </p:sldIdLst>
   <p:sldSz cx="12192000" cy="6858000"/>
   <p:notesSz cx="6858000" cy="9144000"/>
   <p:custDataLst>
-    <p:tags r:id="rId256"/>
+    <p:tags r:id="rId7"/>
   </p:custDataLst>
   <p:defaultTextStyle>
     <a:defPPr>
@@ -232,7 +232,7 @@
           <a:p>
             <a:fld id="{887C93E6-3CAE-4165-B3AF-CD7E12F79975}" type="datetimeFigureOut">
               <a:rPr lang="en-US" smtClean="0"/>
-              <a:t>2017</a:t>
+              <a:t>9/15/2025</a:t>
             </a:fld>
             <a:endParaRPr lang="en-US"/>
           </a:p>
@@ -677,7 +677,7 @@
 </p:notesMaster>
 </file>
 
-<file path=ppt/notesSlides/notesSlide233.xml><?xml version="1.0" encoding="utf-8"?>
+<file path=ppt/notesSlides/notesSlide1.xml><?xml version="1.0" encoding="utf-8"?>
 <p:notes xmlns:a="http://schemas.openxmlformats.org/drawingml/2006/main" xmlns:r="http://schemas.openxmlformats.org/officeDocument/2006/relationships" xmlns:p="http://schemas.openxmlformats.org/presentationml/2006/main">
   <p:cSld>
     <p:spTree>
@@ -757,7 +757,7 @@
 </p:notes>
 </file>
 
-<file path=ppt/slideLayouts/slideLayout5.xml><?xml version="1.0" encoding="utf-8"?>
+<file path=ppt/slideLayouts/slideLayout1.xml><?xml version="1.0" encoding="utf-8"?>
 <p:sldLayout xmlns:a="http://schemas.openxmlformats.org/drawingml/2006/main" xmlns:r="http://schemas.openxmlformats.org/officeDocument/2006/relationships" xmlns:p="http://schemas.openxmlformats.org/presentationml/2006/main" showMasterPhAnim="0" userDrawn="1">
   <p:cSld name="仅标题">
     <p:spTree>
@@ -800,7 +800,7 @@
           <a:graphicData uri="http://schemas.openxmlformats.org/presentationml/2006/ole">
             <mc:AlternateContent xmlns:mc="http://schemas.openxmlformats.org/markup-compatibility/2006">
               <mc:Choice xmlns:v="urn:schemas-microsoft-com:vml" Requires="v">
-                <p:oleObj spid="_x0000_s261136" name="think-cell 幻灯片" r:id="rId4" imgW="349" imgH="350" progId="TCLayout.ActiveDocument.1">
+                <p:oleObj spid="_x0000_s261137" name="think-cell 幻灯片" r:id="rId4" imgW="349" imgH="350" progId="TCLayout.ActiveDocument.1">
                   <p:embed/>
                 </p:oleObj>
               </mc:Choice>
@@ -906,7 +906,7 @@
 </file>
 
 <file path=ppt/slideMasters/slideMaster1.xml><?xml version="1.0" encoding="utf-8"?>
-<p:sldMaster xmlns:mc="http://schemas.openxmlformats.org/markup-compatibility/2006" xmlns:v="urn:schemas-microsoft-com:vml" xmlns:a16="http://schemas.microsoft.com/office/drawing/2014/main" xmlns:p14="http://schemas.microsoft.com/office/powerpoint/2010/main" xmlns:p15="http://schemas.microsoft.com/office/powerpoint/2012/main" xmlns:a="http://schemas.openxmlformats.org/drawingml/2006/main" xmlns:r="http://schemas.openxmlformats.org/officeDocument/2006/relationships" xmlns:p="http://schemas.openxmlformats.org/presentationml/2006/main" preserve="1">
+<p:sldMaster xmlns:a="http://schemas.openxmlformats.org/drawingml/2006/main" xmlns:r="http://schemas.openxmlformats.org/officeDocument/2006/relationships" xmlns:p="http://schemas.openxmlformats.org/presentationml/2006/main" preserve="1">
   <p:cSld>
     <p:bg>
       <p:bgPr>
@@ -938,7 +938,7 @@
           </p:cNvGraphicFramePr>
           <p:nvPr userDrawn="1">
             <p:custDataLst>
-              <p:tags r:id="rId9"/>
+              <p:tags r:id="rId4"/>
             </p:custDataLst>
           </p:nvPr>
         </p:nvGraphicFramePr>
@@ -950,12 +950,12 @@
           <a:graphicData uri="http://schemas.openxmlformats.org/presentationml/2006/ole">
             <mc:AlternateContent xmlns:mc="http://schemas.openxmlformats.org/markup-compatibility/2006">
               <mc:Choice xmlns:v="urn:schemas-microsoft-com:vml" Requires="v">
-                <p:oleObj spid="_x0000_s259088" name="think-cell 幻灯片" r:id="rId10" imgW="270" imgH="270" progId="TCLayout.ActiveDocument.1">
+                <p:oleObj spid="_x0000_s259089" name="think-cell 幻灯片" r:id="rId5" imgW="270" imgH="270" progId="TCLayout.ActiveDocument.1">
                   <p:embed/>
                 </p:oleObj>
               </mc:Choice>
               <mc:Fallback>
-                <p:oleObj name="think-cell 幻灯片" r:id="rId10" imgW="270" imgH="270" progId="TCLayout.ActiveDocument.1">
+                <p:oleObj name="think-cell 幻灯片" r:id="rId5" imgW="270" imgH="270" progId="TCLayout.ActiveDocument.1">
                   <p:embed/>
                   <p:pic>
                     <p:nvPicPr>
@@ -964,7 +964,7 @@
                       <p:nvPr/>
                     </p:nvPicPr>
                     <p:blipFill>
-                      <a:blip r:embed="rId11"/>
+                      <a:blip r:embed="rId6"/>
                       <a:stretch>
                         <a:fillRect/>
                       </a:stretch>
@@ -2850,7 +2850,7 @@
   </p:cSld>
   <p:clrMap bg1="lt1" tx1="dk1" bg2="lt2" tx2="dk2" accent1="accent1" accent2="accent2" accent3="accent3" accent4="accent4" accent5="accent5" accent6="accent6" hlink="hlink" folHlink="folHlink"/>
   <p:sldLayoutIdLst>
-    <p:sldLayoutId id="2147483697" r:id="rId5"/>
+    <p:sldLayoutId id="2147483697" r:id="rId1"/>
   </p:sldLayoutIdLst>
   <mc:AlternateContent xmlns:mc="http://schemas.openxmlformats.org/markup-compatibility/2006" xmlns:p14="http://schemas.microsoft.com/office/powerpoint/2010/main">
     <mc:Choice Requires="p14">
@@ -2858,7 +2858,7 @@
         <p:fade/>
       </p:transition>
     </mc:Choice>
-    <mc:Fallback>
+    <mc:Fallback xmlns:p15="http://schemas.microsoft.com/office/powerpoint/2012/main" xmlns:a16="http://schemas.microsoft.com/office/drawing/2014/main" xmlns:v="urn:schemas-microsoft-com:vml" xmlns="">
       <p:transition>
         <p:fade/>
       </p:transition>
@@ -3252,7 +3252,7 @@
 </p:sldMaster>
 </file>
 
-<file path=ppt/slides/slide233.xml><?xml version="1.0" encoding="utf-8"?>
+<file path=ppt/slides/slide1.xml><?xml version="1.0" encoding="utf-8"?>
 <p:sld xmlns:a="http://schemas.openxmlformats.org/drawingml/2006/main" xmlns:r="http://schemas.openxmlformats.org/officeDocument/2006/relationships" xmlns:p="http://schemas.openxmlformats.org/presentationml/2006/main" showMasterPhAnim="0">
   <p:cSld>
     <p:spTree>
@@ -3300,7 +3300,7 @@
           <a:graphicData uri="http://schemas.openxmlformats.org/presentationml/2006/ole">
             <mc:AlternateContent xmlns:mc="http://schemas.openxmlformats.org/markup-compatibility/2006">
               <mc:Choice xmlns:v="urn:schemas-microsoft-com:vml" Requires="v">
-                <p:oleObj spid="_x0000_s240656" name="think-cell 幻灯片" r:id="rId5" imgW="349" imgH="350" progId="TCLayout.ActiveDocument.1">
+                <p:oleObj spid="_x0000_s240657" name="think-cell 幻灯片" r:id="rId5" imgW="349" imgH="350" progId="TCLayout.ActiveDocument.1">
                   <p:embed/>
                 </p:oleObj>
               </mc:Choice>
@@ -3368,7 +3368,11 @@
           <a:lstStyle/>
           <a:p>
             <a:r>
-              <a:rPr lang="en-US" dirty="0"/>
+              <a:rPr lang="en-US" dirty="0">
+                <a:latin typeface="理想品牌字体 2022" panose="02000500000000000000" pitchFamily="50" charset="-122"/>
+                <a:ea typeface="理想品牌字体 2022" panose="02000500000000000000" pitchFamily="50" charset="-122"/>
+                <a:cs typeface="理想品牌字体 2022" panose="02000500000000000000" pitchFamily="50" charset="-122"/>
+              </a:rPr>
               <a:t>{title}</a:t>
             </a:r>
           </a:p>
@@ -3473,6 +3477,9 @@
                 <a:solidFill>
                   <a:schemeClr val="tx2"/>
                 </a:solidFill>
+                <a:latin typeface="理想品牌字体 2022" panose="02000500000000000000" pitchFamily="50" charset="-122"/>
+                <a:ea typeface="理想品牌字体 2022" panose="02000500000000000000" pitchFamily="50" charset="-122"/>
+                <a:cs typeface="理想品牌字体 2022" panose="02000500000000000000" pitchFamily="50" charset="-122"/>
               </a:rPr>
               <a:t>{year_3_bullet}</a:t>
             </a:r>
@@ -3500,6 +3507,9 @@
                 <a:solidFill>
                   <a:prstClr val="black"/>
                 </a:solidFill>
+                <a:latin typeface="理想品牌字体 2022" panose="02000500000000000000" pitchFamily="50" charset="-122"/>
+                <a:ea typeface="理想品牌字体 2022" panose="02000500000000000000" pitchFamily="50" charset="-122"/>
+                <a:cs typeface="理想品牌字体 2022" panose="02000500000000000000" pitchFamily="50" charset="-122"/>
               </a:rPr>
               <a:t>{year_3_description,max_token=20}</a:t>
             </a:r>
@@ -3565,6 +3575,9 @@
                 <a:solidFill>
                   <a:schemeClr val="accent1"/>
                 </a:solidFill>
+                <a:latin typeface="理想品牌字体 2022" panose="02000500000000000000" pitchFamily="50" charset="-122"/>
+                <a:ea typeface="理想品牌字体 2022" panose="02000500000000000000" pitchFamily="50" charset="-122"/>
+                <a:cs typeface="理想品牌字体 2022" panose="02000500000000000000" pitchFamily="50" charset="-122"/>
               </a:rPr>
               <a:t>{year_3}</a:t>
             </a:r>
@@ -3697,6 +3710,9 @@
                 <a:solidFill>
                   <a:schemeClr val="tx2"/>
                 </a:solidFill>
+                <a:latin typeface="理想品牌字体 2022" panose="02000500000000000000" pitchFamily="50" charset="-122"/>
+                <a:ea typeface="理想品牌字体 2022" panose="02000500000000000000" pitchFamily="50" charset="-122"/>
+                <a:cs typeface="理想品牌字体 2022" panose="02000500000000000000" pitchFamily="50" charset="-122"/>
               </a:rPr>
               <a:t>{year_1_bullet}</a:t>
             </a:r>
@@ -3724,6 +3740,9 @@
                 <a:solidFill>
                   <a:prstClr val="black"/>
                 </a:solidFill>
+                <a:latin typeface="理想品牌字体 2022" panose="02000500000000000000" pitchFamily="50" charset="-122"/>
+                <a:ea typeface="理想品牌字体 2022" panose="02000500000000000000" pitchFamily="50" charset="-122"/>
+                <a:cs typeface="理想品牌字体 2022" panose="02000500000000000000" pitchFamily="50" charset="-122"/>
               </a:rPr>
               <a:t>{year_1_description,max_token=20}</a:t>
             </a:r>
@@ -3789,6 +3808,9 @@
                 <a:solidFill>
                   <a:schemeClr val="accent1"/>
                 </a:solidFill>
+                <a:latin typeface="理想品牌字体 2022" panose="02000500000000000000" pitchFamily="50" charset="-122"/>
+                <a:ea typeface="理想品牌字体 2022" panose="02000500000000000000" pitchFamily="50" charset="-122"/>
+                <a:cs typeface="理想品牌字体 2022" panose="02000500000000000000" pitchFamily="50" charset="-122"/>
               </a:rPr>
               <a:t>{</a:t>
             </a:r>
@@ -3797,6 +3819,9 @@
                 <a:solidFill>
                   <a:schemeClr val="accent1"/>
                 </a:solidFill>
+                <a:latin typeface="理想品牌字体 2022" panose="02000500000000000000" pitchFamily="50" charset="-122"/>
+                <a:ea typeface="理想品牌字体 2022" panose="02000500000000000000" pitchFamily="50" charset="-122"/>
+                <a:cs typeface="理想品牌字体 2022" panose="02000500000000000000" pitchFamily="50" charset="-122"/>
               </a:rPr>
               <a:t>year_1</a:t>
             </a:r>
@@ -3805,6 +3830,9 @@
                 <a:solidFill>
                   <a:schemeClr val="accent1"/>
                 </a:solidFill>
+                <a:latin typeface="理想品牌字体 2022" panose="02000500000000000000" pitchFamily="50" charset="-122"/>
+                <a:ea typeface="理想品牌字体 2022" panose="02000500000000000000" pitchFamily="50" charset="-122"/>
+                <a:cs typeface="理想品牌字体 2022" panose="02000500000000000000" pitchFamily="50" charset="-122"/>
               </a:rPr>
               <a:t>}</a:t>
             </a:r>
@@ -3937,6 +3965,9 @@
                 <a:solidFill>
                   <a:schemeClr val="tx2"/>
                 </a:solidFill>
+                <a:latin typeface="理想品牌字体 2022" panose="02000500000000000000" pitchFamily="50" charset="-122"/>
+                <a:ea typeface="理想品牌字体 2022" panose="02000500000000000000" pitchFamily="50" charset="-122"/>
+                <a:cs typeface="理想品牌字体 2022" panose="02000500000000000000" pitchFamily="50" charset="-122"/>
               </a:rPr>
               <a:t>{year_2_bullet}</a:t>
             </a:r>
@@ -3964,6 +3995,9 @@
                 <a:solidFill>
                   <a:prstClr val="black"/>
                 </a:solidFill>
+                <a:latin typeface="理想品牌字体 2022" panose="02000500000000000000" pitchFamily="50" charset="-122"/>
+                <a:ea typeface="理想品牌字体 2022" panose="02000500000000000000" pitchFamily="50" charset="-122"/>
+                <a:cs typeface="理想品牌字体 2022" panose="02000500000000000000" pitchFamily="50" charset="-122"/>
               </a:rPr>
               <a:t>{year_2_description,max_token=20}</a:t>
             </a:r>
@@ -4029,6 +4063,9 @@
                 <a:solidFill>
                   <a:schemeClr val="accent1"/>
                 </a:solidFill>
+                <a:latin typeface="理想品牌字体 2022" panose="02000500000000000000" pitchFamily="50" charset="-122"/>
+                <a:ea typeface="理想品牌字体 2022" panose="02000500000000000000" pitchFamily="50" charset="-122"/>
+                <a:cs typeface="理想品牌字体 2022" panose="02000500000000000000" pitchFamily="50" charset="-122"/>
               </a:rPr>
               <a:t>{year_2}</a:t>
             </a:r>
@@ -4493,7 +4530,7 @@
 </p:tagLst>
 </file>
 
-<file path=ppt/tags/tag2043.xml><?xml version="1.0" encoding="utf-8"?>
+<file path=ppt/tags/tag3.xml><?xml version="1.0" encoding="utf-8"?>
 <p:tagLst xmlns:a="http://schemas.openxmlformats.org/drawingml/2006/main" xmlns:r="http://schemas.openxmlformats.org/officeDocument/2006/relationships" xmlns:p="http://schemas.openxmlformats.org/presentationml/2006/main">
   <p:tag name="THINKCELLSHAPEDONOTDELETE" val="thinkcellActiveDocDoNotDelete"/>
 </p:tagLst>
@@ -5411,17 +5448,6 @@
 </file>
 
 <file path=customXml/item1.xml><?xml version="1.0" encoding="utf-8"?>
-<p:properties xmlns:p="http://schemas.microsoft.com/office/2006/metadata/properties" xmlns:xsi="http://www.w3.org/2001/XMLSchema-instance" xmlns:pc="http://schemas.microsoft.com/office/infopath/2007/PartnerControls">
-  <documentManagement>
-    <lcf76f155ced4ddcb4097134ff3c332f xmlns="6dd700bd-da09-4649-9444-0dda6d878ea0">
-      <Terms xmlns="http://schemas.microsoft.com/office/infopath/2007/PartnerControls"/>
-    </lcf76f155ced4ddcb4097134ff3c332f>
-    <TaxCatchAll xmlns="864686ff-c528-4121-8c14-dfe2dfe54fd3" xsi:nil="true"/>
-  </documentManagement>
-</p:properties>
-</file>
-
-<file path=customXml/item2.xml><?xml version="1.0" encoding="utf-8"?>
 <ct:contentTypeSchema xmlns:ct="http://schemas.microsoft.com/office/2006/metadata/contentType" xmlns:ma="http://schemas.microsoft.com/office/2006/metadata/properties/metaAttributes" ct:_="" ma:_="" ma:contentTypeName="Document" ma:contentTypeID="0x01010044EBA828D669A945A665683A6A0700C6" ma:contentTypeVersion="16" ma:contentTypeDescription="Create a new document." ma:contentTypeScope="" ma:versionID="3689712686b1536c59bae695a2aec147">
   <xsd:schema xmlns:xsd="http://www.w3.org/2001/XMLSchema" xmlns:xs="http://www.w3.org/2001/XMLSchema" xmlns:p="http://schemas.microsoft.com/office/2006/metadata/properties" xmlns:ns2="6dd700bd-da09-4649-9444-0dda6d878ea0" xmlns:ns3="864686ff-c528-4121-8c14-dfe2dfe54fd3" targetNamespace="http://schemas.microsoft.com/office/2006/metadata/properties" ma:root="true" ma:fieldsID="b09bedee47c1608be4bb72120d99801d" ns2:_="" ns3:_="">
     <xsd:import namespace="6dd700bd-da09-4649-9444-0dda6d878ea0"/>
@@ -5656,24 +5682,18 @@
 </ct:contentTypeSchema>
 </file>
 
-<file path=customXml/itemProps1.xml><?xml version="1.0" encoding="utf-8"?>
-<ds:datastoreItem xmlns:ds="http://schemas.openxmlformats.org/officeDocument/2006/customXml" ds:itemID="{D3B317A9-6803-48C9-9473-817C969622FE}">
-  <ds:schemaRefs>
-    <ds:schemaRef ds:uri="http://schemas.microsoft.com/office/2006/documentManagement/types"/>
-    <ds:schemaRef ds:uri="http://purl.org/dc/elements/1.1/"/>
-    <ds:schemaRef ds:uri="http://purl.org/dc/dcmitype/"/>
-    <ds:schemaRef ds:uri="6dd700bd-da09-4649-9444-0dda6d878ea0"/>
-    <ds:schemaRef ds:uri="http://www.w3.org/XML/1998/namespace"/>
-    <ds:schemaRef ds:uri="http://purl.org/dc/terms/"/>
-    <ds:schemaRef ds:uri="http://schemas.microsoft.com/office/2006/metadata/properties"/>
-    <ds:schemaRef ds:uri="http://schemas.microsoft.com/office/infopath/2007/PartnerControls"/>
-    <ds:schemaRef ds:uri="http://schemas.openxmlformats.org/package/2006/metadata/core-properties"/>
-    <ds:schemaRef ds:uri="864686ff-c528-4121-8c14-dfe2dfe54fd3"/>
-  </ds:schemaRefs>
-</ds:datastoreItem>
+<file path=customXml/item2.xml><?xml version="1.0" encoding="utf-8"?>
+<p:properties xmlns:p="http://schemas.microsoft.com/office/2006/metadata/properties" xmlns:xsi="http://www.w3.org/2001/XMLSchema-instance" xmlns:pc="http://schemas.microsoft.com/office/infopath/2007/PartnerControls">
+  <documentManagement>
+    <lcf76f155ced4ddcb4097134ff3c332f xmlns="6dd700bd-da09-4649-9444-0dda6d878ea0">
+      <Terms xmlns="http://schemas.microsoft.com/office/infopath/2007/PartnerControls"/>
+    </lcf76f155ced4ddcb4097134ff3c332f>
+    <TaxCatchAll xmlns="864686ff-c528-4121-8c14-dfe2dfe54fd3" xsi:nil="true"/>
+  </documentManagement>
+</p:properties>
 </file>
 
-<file path=customXml/itemProps2.xml><?xml version="1.0" encoding="utf-8"?>
+<file path=customXml/itemProps1.xml><?xml version="1.0" encoding="utf-8"?>
 <ds:datastoreItem xmlns:ds="http://schemas.openxmlformats.org/officeDocument/2006/customXml" ds:itemID="{343A29A7-6CC8-4547-B6F1-D3AFCBF90A13}">
   <ds:schemaRefs>
     <ds:schemaRef ds:uri="6dd700bd-da09-4649-9444-0dda6d878ea0"/>
@@ -5690,4 +5710,21 @@
     <ds:schemaRef ds:uri="http://www.w3.org/2001/XMLSchema"/>
   </ds:schemaRefs>
 </ds:datastoreItem>
+</file>
+
+<file path=customXml/itemProps2.xml><?xml version="1.0" encoding="utf-8"?>
+<ds:datastoreItem xmlns:ds="http://schemas.openxmlformats.org/officeDocument/2006/customXml" ds:itemID="{D3B317A9-6803-48C9-9473-817C969622FE}">
+  <ds:schemaRefs>
+    <ds:schemaRef ds:uri="http://schemas.microsoft.com/office/2006/documentManagement/types"/>
+    <ds:schemaRef ds:uri="http://purl.org/dc/elements/1.1/"/>
+    <ds:schemaRef ds:uri="http://purl.org/dc/dcmitype/"/>
+    <ds:schemaRef ds:uri="6dd700bd-da09-4649-9444-0dda6d878ea0"/>
+    <ds:schemaRef ds:uri="http://www.w3.org/XML/1998/namespace"/>
+    <ds:schemaRef ds:uri="http://purl.org/dc/terms/"/>
+    <ds:schemaRef ds:uri="http://schemas.microsoft.com/office/2006/metadata/properties"/>
+    <ds:schemaRef ds:uri="http://schemas.microsoft.com/office/infopath/2007/PartnerControls"/>
+    <ds:schemaRef ds:uri="http://schemas.openxmlformats.org/package/2006/metadata/core-properties"/>
+    <ds:schemaRef ds:uri="864686ff-c528-4121-8c14-dfe2dfe54fd3"/>
+  </ds:schemaRefs>
+</ds:datastoreItem>
 </file>